--- a/Slides/3. Day 2 - OOP, Unit Tests, Collections.pptx
+++ b/Slides/3. Day 2 - OOP, Unit Tests, Collections.pptx
@@ -5,7 +5,7 @@
     <p:sldMasterId id="2147483660" r:id="rId1"/>
   </p:sldMasterIdLst>
   <p:notesMasterIdLst>
-    <p:notesMasterId r:id="rId13"/>
+    <p:notesMasterId r:id="rId14"/>
   </p:notesMasterIdLst>
   <p:sldIdLst>
     <p:sldId id="256" r:id="rId2"/>
@@ -18,28 +18,29 @@
     <p:sldId id="263" r:id="rId9"/>
     <p:sldId id="264" r:id="rId10"/>
     <p:sldId id="265" r:id="rId11"/>
-    <p:sldId id="266" r:id="rId12"/>
+    <p:sldId id="267" r:id="rId12"/>
+    <p:sldId id="266" r:id="rId13"/>
   </p:sldIdLst>
   <p:sldSz cx="9144000" cy="5143500" type="screen16x9"/>
   <p:notesSz cx="6858000" cy="9144000"/>
   <p:embeddedFontLst>
     <p:embeddedFont>
       <p:font typeface="Roboto Mono" panose="00000009000000000000" pitchFamily="49" charset="0"/>
-      <p:regular r:id="rId14"/>
-      <p:bold r:id="rId15"/>
-      <p:italic r:id="rId16"/>
-      <p:boldItalic r:id="rId17"/>
+      <p:regular r:id="rId15"/>
+      <p:bold r:id="rId16"/>
+      <p:italic r:id="rId17"/>
+      <p:boldItalic r:id="rId18"/>
     </p:embeddedFont>
     <p:embeddedFont>
       <p:font typeface="Trebuchet MS" panose="020B0603020202020204" pitchFamily="34" charset="0"/>
-      <p:regular r:id="rId18"/>
-      <p:bold r:id="rId19"/>
-      <p:italic r:id="rId20"/>
-      <p:boldItalic r:id="rId21"/>
+      <p:regular r:id="rId19"/>
+      <p:bold r:id="rId20"/>
+      <p:italic r:id="rId21"/>
+      <p:boldItalic r:id="rId22"/>
     </p:embeddedFont>
     <p:embeddedFont>
       <p:font typeface="Wingdings 3" panose="05040102010807070707" pitchFamily="18" charset="2"/>
-      <p:regular r:id="rId22"/>
+      <p:regular r:id="rId23"/>
     </p:embeddedFont>
   </p:embeddedFontLst>
   <p:defaultTextStyle>
@@ -6887,7 +6888,7 @@
 <dgm:dataModel xmlns:dgm="http://schemas.openxmlformats.org/drawingml/2006/diagram" xmlns:a="http://schemas.openxmlformats.org/drawingml/2006/main">
   <dgm:ptLst>
     <dgm:pt modelId="{3EF3BEB9-6CE4-46BE-AEBB-71B5E56CE75F}" type="doc">
-      <dgm:prSet loTypeId="urn:microsoft.com/office/officeart/2005/8/layout/hierarchy1" loCatId="hierarchy" qsTypeId="urn:microsoft.com/office/officeart/2005/8/quickstyle/simple1" qsCatId="simple" csTypeId="urn:microsoft.com/office/officeart/2005/8/colors/colorful2" csCatId="colorful"/>
+      <dgm:prSet loTypeId="urn:microsoft.com/office/officeart/2005/8/layout/hierarchy1" loCatId="hierarchy" qsTypeId="urn:microsoft.com/office/officeart/2005/8/quickstyle/simple1" qsCatId="simple" csTypeId="urn:microsoft.com/office/officeart/2005/8/colors/colorful2" csCatId="colorful" phldr="1"/>
       <dgm:spPr/>
       <dgm:t>
         <a:bodyPr/>
@@ -6977,8 +6978,15 @@
         <a:lstStyle/>
         <a:p>
           <a:r>
-            <a:rPr lang="en-US"/>
-            <a:t>We don’t test IO, we mock it</a:t>
+            <a:rPr lang="en-US" dirty="0"/>
+            <a:t>We don’t test IO</a:t>
+          </a:r>
+          <a:br>
+            <a:rPr lang="en-US" dirty="0"/>
+          </a:br>
+          <a:r>
+            <a:rPr lang="en-US" dirty="0"/>
+            <a:t>We mock it</a:t>
           </a:r>
         </a:p>
       </dgm:t>
@@ -9864,8 +9872,15 @@
             <a:buNone/>
           </a:pPr>
           <a:r>
-            <a:rPr lang="en-US" sz="2500" kern="1200"/>
-            <a:t>We don’t test IO, we mock it</a:t>
+            <a:rPr lang="en-US" sz="2500" kern="1200" dirty="0"/>
+            <a:t>We don’t test IO</a:t>
+          </a:r>
+          <a:br>
+            <a:rPr lang="en-US" sz="2500" kern="1200" dirty="0"/>
+          </a:br>
+          <a:r>
+            <a:rPr lang="en-US" sz="2500" kern="1200" dirty="0"/>
+            <a:t>We mock it</a:t>
           </a:r>
         </a:p>
       </dsp:txBody>
@@ -19120,10 +19135,10 @@
               <a:buNone/>
             </a:pPr>
             <a:r>
-              <a:rPr lang="en"/>
+              <a:rPr lang="en" dirty="0"/>
               <a:t>First try should fail as the file is consistent.</a:t>
             </a:r>
-            <a:endParaRPr/>
+            <a:endParaRPr dirty="0"/>
           </a:p>
           <a:p>
             <a:pPr marL="0" lvl="0" indent="0" algn="l" rtl="0">
@@ -19136,10 +19151,10 @@
               <a:buNone/>
             </a:pPr>
             <a:r>
-              <a:rPr lang="en"/>
+              <a:rPr lang="en" dirty="0"/>
               <a:t>Let’s talk about Moq and IFileSystem</a:t>
             </a:r>
-            <a:endParaRPr/>
+            <a:endParaRPr dirty="0"/>
           </a:p>
           <a:p>
             <a:pPr marL="0" lvl="0" indent="0" algn="l" rtl="0">
@@ -19152,10 +19167,10 @@
               <a:buNone/>
             </a:pPr>
             <a:r>
-              <a:rPr lang="en"/>
+              <a:rPr lang="en" dirty="0"/>
               <a:t>System.IO.Abstractions</a:t>
             </a:r>
-            <a:endParaRPr/>
+            <a:endParaRPr dirty="0"/>
           </a:p>
         </p:txBody>
       </p:sp>
@@ -19168,6 +19183,82 @@
 </file>
 
 <file path=ppt/notesSlides/notesSlide11.xml><?xml version="1.0" encoding="utf-8"?>
+<p:notes xmlns:a="http://schemas.openxmlformats.org/drawingml/2006/main" xmlns:r="http://schemas.openxmlformats.org/officeDocument/2006/relationships" xmlns:p="http://schemas.openxmlformats.org/presentationml/2006/main">
+  <p:cSld>
+    <p:spTree>
+      <p:nvGrpSpPr>
+        <p:cNvPr id="1" name=""/>
+        <p:cNvGrpSpPr/>
+        <p:nvPr/>
+      </p:nvGrpSpPr>
+      <p:grpSpPr>
+        <a:xfrm>
+          <a:off x="0" y="0"/>
+          <a:ext cx="0" cy="0"/>
+          <a:chOff x="0" y="0"/>
+          <a:chExt cx="0" cy="0"/>
+        </a:xfrm>
+      </p:grpSpPr>
+      <p:sp>
+        <p:nvSpPr>
+          <p:cNvPr id="2" name="Slide Image Placeholder 1"/>
+          <p:cNvSpPr>
+            <a:spLocks noGrp="1" noRot="1" noChangeAspect="1"/>
+          </p:cNvSpPr>
+          <p:nvPr>
+            <p:ph type="sldImg"/>
+          </p:nvPr>
+        </p:nvSpPr>
+        <p:spPr>
+          <a:xfrm>
+            <a:off x="381000" y="685800"/>
+            <a:ext cx="6096000" cy="3429000"/>
+          </a:xfrm>
+        </p:spPr>
+      </p:sp>
+      <p:sp>
+        <p:nvSpPr>
+          <p:cNvPr id="3" name="Notes Placeholder 2"/>
+          <p:cNvSpPr>
+            <a:spLocks noGrp="1"/>
+          </p:cNvSpPr>
+          <p:nvPr>
+            <p:ph type="body" idx="1"/>
+          </p:nvPr>
+        </p:nvSpPr>
+        <p:spPr/>
+        <p:txBody>
+          <a:bodyPr/>
+          <a:lstStyle/>
+          <a:p>
+            <a:r>
+              <a:rPr lang="en-US" dirty="0"/>
+              <a:t>Won’t work </a:t>
+            </a:r>
+            <a:r>
+              <a:rPr lang="en-US" dirty="0">
+                <a:sym typeface="Wingdings" panose="05000000000000000000" pitchFamily="2" charset="2"/>
+              </a:rPr>
+              <a:t></a:t>
+            </a:r>
+            <a:endParaRPr lang="en-US" dirty="0"/>
+          </a:p>
+        </p:txBody>
+      </p:sp>
+    </p:spTree>
+    <p:extLst>
+      <p:ext uri="{BB962C8B-B14F-4D97-AF65-F5344CB8AC3E}">
+        <p14:creationId xmlns:p14="http://schemas.microsoft.com/office/powerpoint/2010/main" val="191044299"/>
+      </p:ext>
+    </p:extLst>
+  </p:cSld>
+  <p:clrMapOvr>
+    <a:masterClrMapping/>
+  </p:clrMapOvr>
+</p:notes>
+</file>
+
+<file path=ppt/notesSlides/notesSlide12.xml><?xml version="1.0" encoding="utf-8"?>
 <p:notes xmlns:a="http://schemas.openxmlformats.org/drawingml/2006/main" xmlns:r="http://schemas.openxmlformats.org/officeDocument/2006/relationships" xmlns:p="http://schemas.openxmlformats.org/presentationml/2006/main" showMasterSp="0" showMasterPhAnim="0">
   <p:cSld>
     <p:spTree>
@@ -19295,10 +19386,10 @@
               <a:buNone/>
             </a:pPr>
             <a:r>
-              <a:rPr lang="en-US"/>
+              <a:rPr lang="en-US" dirty="0"/>
               <a:t>Use context</a:t>
             </a:r>
-            <a:endParaRPr/>
+            <a:endParaRPr dirty="0"/>
           </a:p>
         </p:txBody>
       </p:sp>
@@ -19985,7 +20076,7 @@
               <a:buNone/>
             </a:pPr>
             <a:r>
-              <a:rPr lang="en" sz="1700" b="1">
+              <a:rPr lang="en" sz="1700" b="1" dirty="0">
                 <a:solidFill>
                   <a:schemeClr val="dk1"/>
                 </a:solidFill>
@@ -19993,7 +20084,7 @@
               <a:t>🆚 </a:t>
             </a:r>
             <a:r>
-              <a:rPr lang="en" sz="1700" b="1">
+              <a:rPr lang="en" sz="1700" b="1" dirty="0">
                 <a:solidFill>
                   <a:srgbClr val="188038"/>
                 </a:solidFill>
@@ -20005,7 +20096,7 @@
               <a:t>override</a:t>
             </a:r>
             <a:r>
-              <a:rPr lang="en" sz="1700" b="1">
+              <a:rPr lang="en" sz="1700" b="1" dirty="0">
                 <a:solidFill>
                   <a:schemeClr val="dk1"/>
                 </a:solidFill>
@@ -20013,7 +20104,7 @@
               <a:t> vs </a:t>
             </a:r>
             <a:r>
-              <a:rPr lang="en" sz="1700" b="1">
+              <a:rPr lang="en" sz="1700" b="1" dirty="0">
                 <a:solidFill>
                   <a:srgbClr val="188038"/>
                 </a:solidFill>
@@ -20025,14 +20116,14 @@
               <a:t>new</a:t>
             </a:r>
             <a:r>
-              <a:rPr lang="en" sz="1700" b="1">
+              <a:rPr lang="en" sz="1700" b="1" dirty="0">
                 <a:solidFill>
                   <a:schemeClr val="dk1"/>
                 </a:solidFill>
               </a:rPr>
               <a:t> in C#</a:t>
             </a:r>
-            <a:endParaRPr sz="1700" b="1">
+            <a:endParaRPr sz="1700" b="1" dirty="0">
               <a:solidFill>
                 <a:schemeClr val="dk1"/>
               </a:solidFill>
@@ -20057,7 +20148,7 @@
               <a:buNone/>
             </a:pPr>
             <a:r>
-              <a:rPr lang="en" sz="1300" b="1">
+              <a:rPr lang="en" sz="1300" b="1" dirty="0">
                 <a:solidFill>
                   <a:schemeClr val="dk1"/>
                 </a:solidFill>
@@ -20065,7 +20156,7 @@
               <a:t>✅ </a:t>
             </a:r>
             <a:r>
-              <a:rPr lang="en" sz="1300" b="1">
+              <a:rPr lang="en" sz="1300" b="1" dirty="0">
                 <a:solidFill>
                   <a:srgbClr val="188038"/>
                 </a:solidFill>
@@ -20076,7 +20167,7 @@
               </a:rPr>
               <a:t>override</a:t>
             </a:r>
-            <a:endParaRPr sz="1300" b="1">
+            <a:endParaRPr sz="1300" b="1" dirty="0">
               <a:solidFill>
                 <a:srgbClr val="188038"/>
               </a:solidFill>
@@ -20104,7 +20195,7 @@
               <a:buChar char="●"/>
             </a:pPr>
             <a:r>
-              <a:rPr lang="en">
+              <a:rPr lang="en" dirty="0">
                 <a:solidFill>
                   <a:schemeClr val="dk1"/>
                 </a:solidFill>
@@ -20112,7 +20203,7 @@
               <a:t>Used when the base method is marked as </a:t>
             </a:r>
             <a:r>
-              <a:rPr lang="en">
+              <a:rPr lang="en" dirty="0">
                 <a:solidFill>
                   <a:srgbClr val="188038"/>
                 </a:solidFill>
@@ -20124,7 +20215,7 @@
               <a:t>virtual</a:t>
             </a:r>
             <a:r>
-              <a:rPr lang="en">
+              <a:rPr lang="en" dirty="0">
                 <a:solidFill>
                   <a:schemeClr val="dk1"/>
                 </a:solidFill>
@@ -20132,7 +20223,7 @@
               <a:t> (or </a:t>
             </a:r>
             <a:r>
-              <a:rPr lang="en">
+              <a:rPr lang="en" dirty="0">
                 <a:solidFill>
                   <a:srgbClr val="188038"/>
                 </a:solidFill>
@@ -20144,7 +20235,7 @@
               <a:t>abstract</a:t>
             </a:r>
             <a:r>
-              <a:rPr lang="en">
+              <a:rPr lang="en" dirty="0">
                 <a:solidFill>
                   <a:schemeClr val="dk1"/>
                 </a:solidFill>
@@ -20152,13 +20243,13 @@
               <a:t>).</a:t>
             </a:r>
             <a:br>
-              <a:rPr lang="en">
+              <a:rPr lang="en" dirty="0">
                 <a:solidFill>
                   <a:schemeClr val="dk1"/>
                 </a:solidFill>
               </a:rPr>
             </a:br>
-            <a:endParaRPr>
+            <a:endParaRPr dirty="0">
               <a:solidFill>
                 <a:schemeClr val="dk1"/>
               </a:solidFill>
@@ -20182,7 +20273,7 @@
               <a:buChar char="●"/>
             </a:pPr>
             <a:r>
-              <a:rPr lang="en">
+              <a:rPr lang="en" dirty="0">
                 <a:solidFill>
                   <a:schemeClr val="dk1"/>
                 </a:solidFill>
@@ -20190,7 +20281,7 @@
               <a:t>Enables </a:t>
             </a:r>
             <a:r>
-              <a:rPr lang="en" b="1">
+              <a:rPr lang="en" b="1" dirty="0">
                 <a:solidFill>
                   <a:schemeClr val="dk1"/>
                 </a:solidFill>
@@ -20198,7 +20289,7 @@
               <a:t>true polymorphism</a:t>
             </a:r>
             <a:r>
-              <a:rPr lang="en">
+              <a:rPr lang="en" dirty="0">
                 <a:solidFill>
                   <a:schemeClr val="dk1"/>
                 </a:solidFill>
@@ -20206,13 +20297,13 @@
               <a:t>: the derived method gets called even if you're using a base class reference.</a:t>
             </a:r>
             <a:br>
-              <a:rPr lang="en">
+              <a:rPr lang="en" dirty="0">
                 <a:solidFill>
                   <a:schemeClr val="dk1"/>
                 </a:solidFill>
               </a:rPr>
             </a:br>
-            <a:endParaRPr>
+            <a:endParaRPr dirty="0">
               <a:solidFill>
                 <a:schemeClr val="dk1"/>
               </a:solidFill>
@@ -20232,7 +20323,7 @@
               <a:buNone/>
             </a:pPr>
             <a:r>
-              <a:rPr lang="en">
+              <a:rPr lang="en" dirty="0">
                 <a:solidFill>
                   <a:srgbClr val="188038"/>
                 </a:solidFill>
@@ -20243,7 +20334,7 @@
               </a:rPr>
               <a:t>public class TaskItem</a:t>
             </a:r>
-            <a:endParaRPr>
+            <a:endParaRPr dirty="0">
               <a:solidFill>
                 <a:srgbClr val="188038"/>
               </a:solidFill>
@@ -20267,7 +20358,7 @@
               <a:buNone/>
             </a:pPr>
             <a:r>
-              <a:rPr lang="en">
+              <a:rPr lang="en" dirty="0">
                 <a:solidFill>
                   <a:srgbClr val="188038"/>
                 </a:solidFill>
@@ -20278,7 +20369,7 @@
               </a:rPr>
               <a:t>{</a:t>
             </a:r>
-            <a:endParaRPr>
+            <a:endParaRPr dirty="0">
               <a:solidFill>
                 <a:srgbClr val="188038"/>
               </a:solidFill>
@@ -20302,7 +20393,7 @@
               <a:buNone/>
             </a:pPr>
             <a:r>
-              <a:rPr lang="en">
+              <a:rPr lang="en" dirty="0">
                 <a:solidFill>
                   <a:srgbClr val="188038"/>
                 </a:solidFill>
@@ -20313,7 +20404,7 @@
               </a:rPr>
               <a:t>    public virtual void PrintSummary() =&gt; Console.WriteLine("Task");</a:t>
             </a:r>
-            <a:endParaRPr>
+            <a:endParaRPr dirty="0">
               <a:solidFill>
                 <a:srgbClr val="188038"/>
               </a:solidFill>
@@ -20337,7 +20428,7 @@
               <a:buNone/>
             </a:pPr>
             <a:r>
-              <a:rPr lang="en">
+              <a:rPr lang="en" dirty="0">
                 <a:solidFill>
                   <a:srgbClr val="188038"/>
                 </a:solidFill>
@@ -20348,7 +20439,7 @@
               </a:rPr>
               <a:t>}</a:t>
             </a:r>
-            <a:endParaRPr>
+            <a:endParaRPr dirty="0">
               <a:solidFill>
                 <a:srgbClr val="188038"/>
               </a:solidFill>
@@ -20371,7 +20462,7 @@
               </a:spcAft>
               <a:buNone/>
             </a:pPr>
-            <a:endParaRPr>
+            <a:endParaRPr dirty="0">
               <a:solidFill>
                 <a:srgbClr val="188038"/>
               </a:solidFill>
@@ -20395,7 +20486,7 @@
               <a:buNone/>
             </a:pPr>
             <a:r>
-              <a:rPr lang="en">
+              <a:rPr lang="en" dirty="0">
                 <a:solidFill>
                   <a:srgbClr val="188038"/>
                 </a:solidFill>
@@ -20406,7 +20497,7 @@
               </a:rPr>
               <a:t>public class MeetingTask : TaskItem</a:t>
             </a:r>
-            <a:endParaRPr>
+            <a:endParaRPr dirty="0">
               <a:solidFill>
                 <a:srgbClr val="188038"/>
               </a:solidFill>
@@ -20430,7 +20521,7 @@
               <a:buNone/>
             </a:pPr>
             <a:r>
-              <a:rPr lang="en">
+              <a:rPr lang="en" dirty="0">
                 <a:solidFill>
                   <a:srgbClr val="188038"/>
                 </a:solidFill>
@@ -20441,7 +20532,7 @@
               </a:rPr>
               <a:t>{</a:t>
             </a:r>
-            <a:endParaRPr>
+            <a:endParaRPr dirty="0">
               <a:solidFill>
                 <a:srgbClr val="188038"/>
               </a:solidFill>
@@ -20465,7 +20556,7 @@
               <a:buNone/>
             </a:pPr>
             <a:r>
-              <a:rPr lang="en">
+              <a:rPr lang="en" dirty="0">
                 <a:solidFill>
                   <a:srgbClr val="188038"/>
                 </a:solidFill>
@@ -20476,7 +20567,7 @@
               </a:rPr>
               <a:t>    public override void PrintSummary() =&gt; Console.WriteLine("Meeting Task");</a:t>
             </a:r>
-            <a:endParaRPr>
+            <a:endParaRPr dirty="0">
               <a:solidFill>
                 <a:srgbClr val="188038"/>
               </a:solidFill>
@@ -20500,7 +20591,7 @@
               <a:buNone/>
             </a:pPr>
             <a:r>
-              <a:rPr lang="en">
+              <a:rPr lang="en" dirty="0">
                 <a:solidFill>
                   <a:srgbClr val="188038"/>
                 </a:solidFill>
@@ -20511,7 +20602,7 @@
               </a:rPr>
               <a:t>}</a:t>
             </a:r>
-            <a:endParaRPr>
+            <a:endParaRPr dirty="0">
               <a:solidFill>
                 <a:srgbClr val="188038"/>
               </a:solidFill>
@@ -20539,7 +20630,7 @@
               <a:buFont typeface="Arial"/>
               <a:buNone/>
             </a:pPr>
-            <a:endParaRPr>
+            <a:endParaRPr dirty="0">
               <a:solidFill>
                 <a:schemeClr val="dk1"/>
               </a:solidFill>
@@ -20559,7 +20650,7 @@
               <a:buNone/>
             </a:pPr>
             <a:r>
-              <a:rPr lang="en">
+              <a:rPr lang="en" dirty="0">
                 <a:solidFill>
                   <a:srgbClr val="188038"/>
                 </a:solidFill>
@@ -20570,7 +20661,7 @@
               </a:rPr>
               <a:t>TaskItem t = new MeetingTask();</a:t>
             </a:r>
-            <a:endParaRPr>
+            <a:endParaRPr dirty="0">
               <a:solidFill>
                 <a:srgbClr val="188038"/>
               </a:solidFill>
@@ -20594,7 +20685,7 @@
               <a:buNone/>
             </a:pPr>
             <a:r>
-              <a:rPr lang="en">
+              <a:rPr lang="en" dirty="0">
                 <a:solidFill>
                   <a:srgbClr val="188038"/>
                 </a:solidFill>
@@ -20605,7 +20696,7 @@
               </a:rPr>
               <a:t>t.PrintSummary(); // ✅ "Meeting Task"</a:t>
             </a:r>
-            <a:endParaRPr>
+            <a:endParaRPr dirty="0">
               <a:solidFill>
                 <a:srgbClr val="188038"/>
               </a:solidFill>
@@ -20633,7 +20724,7 @@
               <a:buFont typeface="Arial"/>
               <a:buNone/>
             </a:pPr>
-            <a:endParaRPr>
+            <a:endParaRPr dirty="0">
               <a:solidFill>
                 <a:schemeClr val="dk1"/>
               </a:solidFill>
@@ -20657,7 +20748,7 @@
               <a:buFont typeface="Arial"/>
               <a:buNone/>
             </a:pPr>
-            <a:endParaRPr>
+            <a:endParaRPr dirty="0">
               <a:solidFill>
                 <a:schemeClr val="dk1"/>
               </a:solidFill>
@@ -20682,7 +20773,7 @@
               <a:buNone/>
             </a:pPr>
             <a:r>
-              <a:rPr lang="en" sz="1300" b="1">
+              <a:rPr lang="en" sz="1300" b="1" dirty="0">
                 <a:solidFill>
                   <a:schemeClr val="dk1"/>
                 </a:solidFill>
@@ -20690,7 +20781,7 @@
               <a:t>🆕 </a:t>
             </a:r>
             <a:r>
-              <a:rPr lang="en" sz="1300" b="1">
+              <a:rPr lang="en" sz="1300" b="1" dirty="0">
                 <a:solidFill>
                   <a:srgbClr val="188038"/>
                 </a:solidFill>
@@ -20701,7 +20792,7 @@
               </a:rPr>
               <a:t>new</a:t>
             </a:r>
-            <a:endParaRPr sz="1300" b="1">
+            <a:endParaRPr sz="1300" b="1" dirty="0">
               <a:solidFill>
                 <a:srgbClr val="188038"/>
               </a:solidFill>
@@ -20729,7 +20820,7 @@
               <a:buChar char="●"/>
             </a:pPr>
             <a:r>
-              <a:rPr lang="en" b="1">
+              <a:rPr lang="en" b="1" dirty="0">
                 <a:solidFill>
                   <a:schemeClr val="dk1"/>
                 </a:solidFill>
@@ -20737,7 +20828,7 @@
               <a:t>Hides</a:t>
             </a:r>
             <a:r>
-              <a:rPr lang="en">
+              <a:rPr lang="en" dirty="0">
                 <a:solidFill>
                   <a:schemeClr val="dk1"/>
                 </a:solidFill>
@@ -20745,7 +20836,7 @@
               <a:t> the base method — not overriding, just replacing it in the derived class </a:t>
             </a:r>
             <a:r>
-              <a:rPr lang="en" i="1">
+              <a:rPr lang="en" i="1" dirty="0">
                 <a:solidFill>
                   <a:schemeClr val="dk1"/>
                 </a:solidFill>
@@ -20753,7 +20844,7 @@
               <a:t>if accessed through that type</a:t>
             </a:r>
             <a:r>
-              <a:rPr lang="en">
+              <a:rPr lang="en" dirty="0">
                 <a:solidFill>
                   <a:schemeClr val="dk1"/>
                 </a:solidFill>
@@ -20761,13 +20852,13 @@
               <a:t>.</a:t>
             </a:r>
             <a:br>
-              <a:rPr lang="en">
+              <a:rPr lang="en" dirty="0">
                 <a:solidFill>
                   <a:schemeClr val="dk1"/>
                 </a:solidFill>
               </a:rPr>
             </a:br>
-            <a:endParaRPr>
+            <a:endParaRPr dirty="0">
               <a:solidFill>
                 <a:schemeClr val="dk1"/>
               </a:solidFill>
@@ -20791,7 +20882,7 @@
               <a:buChar char="●"/>
             </a:pPr>
             <a:r>
-              <a:rPr lang="en">
+              <a:rPr lang="en" dirty="0">
                 <a:solidFill>
                   <a:schemeClr val="dk1"/>
                 </a:solidFill>
@@ -20799,13 +20890,13 @@
               <a:t>Base method still runs if you're using a base class reference.</a:t>
             </a:r>
             <a:br>
-              <a:rPr lang="en">
+              <a:rPr lang="en" dirty="0">
                 <a:solidFill>
                   <a:schemeClr val="dk1"/>
                 </a:solidFill>
               </a:rPr>
             </a:br>
-            <a:endParaRPr>
+            <a:endParaRPr dirty="0">
               <a:solidFill>
                 <a:schemeClr val="dk1"/>
               </a:solidFill>
@@ -20830,14 +20921,14 @@
               <a:buNone/>
             </a:pPr>
             <a:r>
-              <a:rPr lang="en">
+              <a:rPr lang="en" dirty="0">
                 <a:solidFill>
                   <a:schemeClr val="dk1"/>
                 </a:solidFill>
               </a:rPr>
               <a:t>csharp</a:t>
             </a:r>
-            <a:endParaRPr>
+            <a:endParaRPr dirty="0">
               <a:solidFill>
                 <a:schemeClr val="dk1"/>
               </a:solidFill>
@@ -20862,14 +20953,14 @@
               <a:buNone/>
             </a:pPr>
             <a:r>
-              <a:rPr lang="en">
+              <a:rPr lang="en" dirty="0">
                 <a:solidFill>
                   <a:schemeClr val="dk1"/>
                 </a:solidFill>
               </a:rPr>
               <a:t>CopyEdit</a:t>
             </a:r>
-            <a:endParaRPr>
+            <a:endParaRPr dirty="0">
               <a:solidFill>
                 <a:schemeClr val="dk1"/>
               </a:solidFill>
@@ -20889,7 +20980,7 @@
               <a:buNone/>
             </a:pPr>
             <a:r>
-              <a:rPr lang="en">
+              <a:rPr lang="en" dirty="0">
                 <a:solidFill>
                   <a:srgbClr val="188038"/>
                 </a:solidFill>
@@ -20900,7 +20991,7 @@
               </a:rPr>
               <a:t>public class TaskItem</a:t>
             </a:r>
-            <a:endParaRPr>
+            <a:endParaRPr dirty="0">
               <a:solidFill>
                 <a:srgbClr val="188038"/>
               </a:solidFill>
@@ -20924,7 +21015,7 @@
               <a:buNone/>
             </a:pPr>
             <a:r>
-              <a:rPr lang="en">
+              <a:rPr lang="en" dirty="0">
                 <a:solidFill>
                   <a:srgbClr val="188038"/>
                 </a:solidFill>
@@ -20935,7 +21026,7 @@
               </a:rPr>
               <a:t>{</a:t>
             </a:r>
-            <a:endParaRPr>
+            <a:endParaRPr dirty="0">
               <a:solidFill>
                 <a:srgbClr val="188038"/>
               </a:solidFill>
@@ -20959,7 +21050,7 @@
               <a:buNone/>
             </a:pPr>
             <a:r>
-              <a:rPr lang="en">
+              <a:rPr lang="en" dirty="0">
                 <a:solidFill>
                   <a:srgbClr val="188038"/>
                 </a:solidFill>
@@ -20970,7 +21061,7 @@
               </a:rPr>
               <a:t>    public void PrintSummary() =&gt; Console.WriteLine("Task");</a:t>
             </a:r>
-            <a:endParaRPr>
+            <a:endParaRPr dirty="0">
               <a:solidFill>
                 <a:srgbClr val="188038"/>
               </a:solidFill>
@@ -20994,7 +21085,7 @@
               <a:buNone/>
             </a:pPr>
             <a:r>
-              <a:rPr lang="en">
+              <a:rPr lang="en" dirty="0">
                 <a:solidFill>
                   <a:srgbClr val="188038"/>
                 </a:solidFill>
@@ -21005,7 +21096,7 @@
               </a:rPr>
               <a:t>}</a:t>
             </a:r>
-            <a:endParaRPr>
+            <a:endParaRPr dirty="0">
               <a:solidFill>
                 <a:srgbClr val="188038"/>
               </a:solidFill>
@@ -21028,7 +21119,7 @@
               </a:spcAft>
               <a:buNone/>
             </a:pPr>
-            <a:endParaRPr>
+            <a:endParaRPr dirty="0">
               <a:solidFill>
                 <a:srgbClr val="188038"/>
               </a:solidFill>
@@ -21052,7 +21143,7 @@
               <a:buNone/>
             </a:pPr>
             <a:r>
-              <a:rPr lang="en">
+              <a:rPr lang="en" dirty="0">
                 <a:solidFill>
                   <a:srgbClr val="188038"/>
                 </a:solidFill>
@@ -21063,7 +21154,7 @@
               </a:rPr>
               <a:t>public class MeetingTask : TaskItem</a:t>
             </a:r>
-            <a:endParaRPr>
+            <a:endParaRPr dirty="0">
               <a:solidFill>
                 <a:srgbClr val="188038"/>
               </a:solidFill>
@@ -21087,7 +21178,7 @@
               <a:buNone/>
             </a:pPr>
             <a:r>
-              <a:rPr lang="en">
+              <a:rPr lang="en" dirty="0">
                 <a:solidFill>
                   <a:srgbClr val="188038"/>
                 </a:solidFill>
@@ -21098,7 +21189,7 @@
               </a:rPr>
               <a:t>{</a:t>
             </a:r>
-            <a:endParaRPr>
+            <a:endParaRPr dirty="0">
               <a:solidFill>
                 <a:srgbClr val="188038"/>
               </a:solidFill>
@@ -21122,7 +21213,7 @@
               <a:buNone/>
             </a:pPr>
             <a:r>
-              <a:rPr lang="en">
+              <a:rPr lang="en" dirty="0">
                 <a:solidFill>
                   <a:srgbClr val="188038"/>
                 </a:solidFill>
@@ -21133,7 +21224,7 @@
               </a:rPr>
               <a:t>    public new void PrintSummary() =&gt; Console.WriteLine("Meeting Task");</a:t>
             </a:r>
-            <a:endParaRPr>
+            <a:endParaRPr dirty="0">
               <a:solidFill>
                 <a:srgbClr val="188038"/>
               </a:solidFill>
@@ -21157,7 +21248,7 @@
               <a:buNone/>
             </a:pPr>
             <a:r>
-              <a:rPr lang="en">
+              <a:rPr lang="en" dirty="0">
                 <a:solidFill>
                   <a:srgbClr val="188038"/>
                 </a:solidFill>
@@ -21168,7 +21259,7 @@
               </a:rPr>
               <a:t>}</a:t>
             </a:r>
-            <a:endParaRPr>
+            <a:endParaRPr dirty="0">
               <a:solidFill>
                 <a:schemeClr val="dk1"/>
               </a:solidFill>
@@ -21188,7 +21279,7 @@
               <a:buNone/>
             </a:pPr>
             <a:r>
-              <a:rPr lang="en">
+              <a:rPr lang="en" dirty="0">
                 <a:solidFill>
                   <a:srgbClr val="188038"/>
                 </a:solidFill>
@@ -21199,7 +21290,7 @@
               </a:rPr>
               <a:t>TaskItem t = new MeetingTask();</a:t>
             </a:r>
-            <a:endParaRPr>
+            <a:endParaRPr dirty="0">
               <a:solidFill>
                 <a:srgbClr val="188038"/>
               </a:solidFill>
@@ -21223,7 +21314,7 @@
               <a:buNone/>
             </a:pPr>
             <a:r>
-              <a:rPr lang="en">
+              <a:rPr lang="en" dirty="0">
                 <a:solidFill>
                   <a:srgbClr val="188038"/>
                 </a:solidFill>
@@ -21234,7 +21325,7 @@
               </a:rPr>
               <a:t>t.PrintSummary(); // 😬 "Task"</a:t>
             </a:r>
-            <a:endParaRPr>
+            <a:endParaRPr dirty="0">
               <a:solidFill>
                 <a:srgbClr val="188038"/>
               </a:solidFill>
@@ -21257,7 +21348,7 @@
               </a:spcAft>
               <a:buNone/>
             </a:pPr>
-            <a:endParaRPr>
+            <a:endParaRPr dirty="0">
               <a:solidFill>
                 <a:srgbClr val="188038"/>
               </a:solidFill>
@@ -21281,7 +21372,7 @@
               <a:buNone/>
             </a:pPr>
             <a:r>
-              <a:rPr lang="en">
+              <a:rPr lang="en" dirty="0">
                 <a:solidFill>
                   <a:srgbClr val="188038"/>
                 </a:solidFill>
@@ -21292,7 +21383,7 @@
               </a:rPr>
               <a:t>MeetingTask mt = new MeetingTask();</a:t>
             </a:r>
-            <a:endParaRPr>
+            <a:endParaRPr dirty="0">
               <a:solidFill>
                 <a:srgbClr val="188038"/>
               </a:solidFill>
@@ -21321,7 +21412,7 @@
               <a:buNone/>
             </a:pPr>
             <a:r>
-              <a:rPr lang="en">
+              <a:rPr lang="en" dirty="0">
                 <a:solidFill>
                   <a:srgbClr val="188038"/>
                 </a:solidFill>
@@ -21332,7 +21423,7 @@
               </a:rPr>
               <a:t>mt.PrintSummary(); // ✅ "Meeting Task"</a:t>
             </a:r>
-            <a:endParaRPr>
+            <a:endParaRPr dirty="0">
               <a:solidFill>
                 <a:srgbClr val="188038"/>
               </a:solidFill>
@@ -21355,7 +21446,7 @@
               </a:spcAft>
               <a:buNone/>
             </a:pPr>
-            <a:endParaRPr sz="1400">
+            <a:endParaRPr sz="1400" dirty="0">
               <a:solidFill>
                 <a:srgbClr val="595959"/>
               </a:solidFill>
@@ -21374,7 +21465,7 @@
               </a:spcAft>
               <a:buNone/>
             </a:pPr>
-            <a:endParaRPr sz="1400">
+            <a:endParaRPr sz="1400" dirty="0">
               <a:solidFill>
                 <a:srgbClr val="595959"/>
               </a:solidFill>
@@ -21394,14 +21485,14 @@
               <a:buNone/>
             </a:pPr>
             <a:r>
-              <a:rPr lang="en" sz="1400">
+              <a:rPr lang="en" sz="1400" dirty="0">
                 <a:solidFill>
                   <a:srgbClr val="595959"/>
                 </a:solidFill>
               </a:rPr>
               <a:t>You almost always would want to use override</a:t>
             </a:r>
-            <a:endParaRPr sz="1400">
+            <a:endParaRPr sz="1400" dirty="0">
               <a:solidFill>
                 <a:srgbClr val="595959"/>
               </a:solidFill>
@@ -21821,7 +21912,19 @@
               </a:spcAft>
               <a:buNone/>
             </a:pPr>
-            <a:endParaRPr/>
+            <a:r>
+              <a:rPr lang="en-US" dirty="0"/>
+              <a:t>Create a </a:t>
+            </a:r>
+            <a:r>
+              <a:rPr lang="en-US" dirty="0" err="1"/>
+              <a:t>UnitTest</a:t>
+            </a:r>
+            <a:r>
+              <a:rPr lang="en-US" dirty="0"/>
+              <a:t> project</a:t>
+            </a:r>
+            <a:endParaRPr dirty="0"/>
           </a:p>
         </p:txBody>
       </p:sp>
@@ -22556,7 +22659,7 @@
             <a:fld id="{B61BEF0D-F0BB-DE4B-95CE-6DB70DBA9567}" type="datetimeFigureOut">
               <a:rPr lang="en-US" dirty="0"/>
               <a:pPr/>
-              <a:t>5/28/2025</a:t>
+              <a:t>6/1/2025</a:t>
             </a:fld>
             <a:endParaRPr lang="en-US" dirty="0"/>
           </a:p>
@@ -22818,7 +22921,7 @@
             <a:fld id="{B61BEF0D-F0BB-DE4B-95CE-6DB70DBA9567}" type="datetimeFigureOut">
               <a:rPr lang="en-US" dirty="0"/>
               <a:pPr/>
-              <a:t>5/28/2025</a:t>
+              <a:t>6/1/2025</a:t>
             </a:fld>
             <a:endParaRPr lang="en-US" dirty="0"/>
           </a:p>
@@ -23143,7 +23246,7 @@
             <a:fld id="{B61BEF0D-F0BB-DE4B-95CE-6DB70DBA9567}" type="datetimeFigureOut">
               <a:rPr lang="en-US" dirty="0"/>
               <a:pPr/>
-              <a:t>5/28/2025</a:t>
+              <a:t>6/1/2025</a:t>
             </a:fld>
             <a:endParaRPr lang="en-US" dirty="0"/>
           </a:p>
@@ -23495,7 +23598,7 @@
             <a:fld id="{B61BEF0D-F0BB-DE4B-95CE-6DB70DBA9567}" type="datetimeFigureOut">
               <a:rPr lang="en-US" dirty="0"/>
               <a:pPr/>
-              <a:t>5/28/2025</a:t>
+              <a:t>6/1/2025</a:t>
             </a:fld>
             <a:endParaRPr lang="en-US" dirty="0"/>
           </a:p>
@@ -23820,7 +23923,7 @@
             <a:fld id="{B61BEF0D-F0BB-DE4B-95CE-6DB70DBA9567}" type="datetimeFigureOut">
               <a:rPr lang="en-US" dirty="0"/>
               <a:pPr/>
-              <a:t>5/28/2025</a:t>
+              <a:t>6/1/2025</a:t>
             </a:fld>
             <a:endParaRPr lang="en-US" dirty="0"/>
           </a:p>
@@ -24224,7 +24327,7 @@
             <a:fld id="{B61BEF0D-F0BB-DE4B-95CE-6DB70DBA9567}" type="datetimeFigureOut">
               <a:rPr lang="en-US" dirty="0"/>
               <a:pPr/>
-              <a:t>5/28/2025</a:t>
+              <a:t>6/1/2025</a:t>
             </a:fld>
             <a:endParaRPr lang="en-US" dirty="0"/>
           </a:p>
@@ -24404,7 +24507,7 @@
           <a:p>
             <a:fld id="{55C6B4A9-1611-4792-9094-5F34BCA07E0B}" type="datetimeFigureOut">
               <a:rPr lang="en-US" dirty="0"/>
-              <a:t>5/28/2025</a:t>
+              <a:t>6/1/2025</a:t>
             </a:fld>
             <a:endParaRPr lang="en-US" dirty="0"/>
           </a:p>
@@ -24595,7 +24698,7 @@
             <a:fld id="{B61BEF0D-F0BB-DE4B-95CE-6DB70DBA9567}" type="datetimeFigureOut">
               <a:rPr lang="en-US" dirty="0"/>
               <a:pPr/>
-              <a:t>5/28/2025</a:t>
+              <a:t>6/1/2025</a:t>
             </a:fld>
             <a:endParaRPr lang="en-US" dirty="0"/>
           </a:p>
@@ -25387,7 +25490,7 @@
             <a:fld id="{B61BEF0D-F0BB-DE4B-95CE-6DB70DBA9567}" type="datetimeFigureOut">
               <a:rPr lang="en-US" dirty="0"/>
               <a:pPr/>
-              <a:t>5/28/2025</a:t>
+              <a:t>6/1/2025</a:t>
             </a:fld>
             <a:endParaRPr lang="en-US" dirty="0"/>
           </a:p>
@@ -25645,7 +25748,7 @@
             <a:fld id="{B61BEF0D-F0BB-DE4B-95CE-6DB70DBA9567}" type="datetimeFigureOut">
               <a:rPr lang="en-US" dirty="0"/>
               <a:pPr/>
-              <a:t>5/28/2025</a:t>
+              <a:t>6/1/2025</a:t>
             </a:fld>
             <a:endParaRPr lang="en-US" dirty="0"/>
           </a:p>
@@ -25887,7 +25990,7 @@
           <a:p>
             <a:fld id="{EB712588-04B1-427B-82EE-E8DB90309F08}" type="datetimeFigureOut">
               <a:rPr lang="en-US" dirty="0"/>
-              <a:t>5/28/2025</a:t>
+              <a:t>6/1/2025</a:t>
             </a:fld>
             <a:endParaRPr lang="en-US" dirty="0"/>
           </a:p>
@@ -26272,7 +26375,7 @@
             <a:fld id="{B61BEF0D-F0BB-DE4B-95CE-6DB70DBA9567}" type="datetimeFigureOut">
               <a:rPr lang="en-US" dirty="0"/>
               <a:pPr/>
-              <a:t>5/28/2025</a:t>
+              <a:t>6/1/2025</a:t>
             </a:fld>
             <a:endParaRPr lang="en-US" dirty="0"/>
           </a:p>
@@ -26406,7 +26509,7 @@
             <a:fld id="{B61BEF0D-F0BB-DE4B-95CE-6DB70DBA9567}" type="datetimeFigureOut">
               <a:rPr lang="en-US" dirty="0"/>
               <a:pPr/>
-              <a:t>5/28/2025</a:t>
+              <a:t>6/1/2025</a:t>
             </a:fld>
             <a:endParaRPr lang="en-US" dirty="0"/>
           </a:p>
@@ -26512,7 +26615,7 @@
             <a:fld id="{B61BEF0D-F0BB-DE4B-95CE-6DB70DBA9567}" type="datetimeFigureOut">
               <a:rPr lang="en-US" dirty="0"/>
               <a:pPr/>
-              <a:t>5/28/2025</a:t>
+              <a:t>6/1/2025</a:t>
             </a:fld>
             <a:endParaRPr lang="en-US" dirty="0"/>
           </a:p>
@@ -26776,7 +26879,7 @@
           <a:p>
             <a:fld id="{42A54C80-263E-416B-A8E0-580EDEADCBDC}" type="datetimeFigureOut">
               <a:rPr lang="en-US" dirty="0"/>
-              <a:t>5/28/2025</a:t>
+              <a:t>6/1/2025</a:t>
             </a:fld>
             <a:endParaRPr lang="en-US" dirty="0"/>
           </a:p>
@@ -27050,7 +27153,7 @@
             <a:fld id="{B61BEF0D-F0BB-DE4B-95CE-6DB70DBA9567}" type="datetimeFigureOut">
               <a:rPr lang="en-US" dirty="0"/>
               <a:pPr/>
-              <a:t>5/28/2025</a:t>
+              <a:t>6/1/2025</a:t>
             </a:fld>
             <a:endParaRPr lang="en-US" dirty="0"/>
           </a:p>
@@ -27804,7 +27907,7 @@
             <a:fld id="{B61BEF0D-F0BB-DE4B-95CE-6DB70DBA9567}" type="datetimeFigureOut">
               <a:rPr lang="en-US" dirty="0"/>
               <a:pPr/>
-              <a:t>5/28/2025</a:t>
+              <a:t>6/1/2025</a:t>
             </a:fld>
             <a:endParaRPr lang="en-US" dirty="0"/>
           </a:p>
@@ -30355,7 +30458,7 @@
               <a:buNone/>
             </a:pPr>
             <a:r>
-              <a:rPr lang="en-US" sz="1800">
+              <a:rPr lang="en-US" sz="1800" dirty="0">
                 <a:solidFill>
                   <a:schemeClr val="tx1">
                     <a:lumMod val="50000"/>
@@ -30417,6 +30520,97 @@
 </file>
 
 <file path=ppt/slides/slide11.xml><?xml version="1.0" encoding="utf-8"?>
+<p:sld xmlns:a="http://schemas.openxmlformats.org/drawingml/2006/main" xmlns:r="http://schemas.openxmlformats.org/officeDocument/2006/relationships" xmlns:p="http://schemas.openxmlformats.org/presentationml/2006/main">
+  <p:cSld>
+    <p:spTree>
+      <p:nvGrpSpPr>
+        <p:cNvPr id="1" name=""/>
+        <p:cNvGrpSpPr/>
+        <p:nvPr/>
+      </p:nvGrpSpPr>
+      <p:grpSpPr>
+        <a:xfrm>
+          <a:off x="0" y="0"/>
+          <a:ext cx="0" cy="0"/>
+          <a:chOff x="0" y="0"/>
+          <a:chExt cx="0" cy="0"/>
+        </a:xfrm>
+      </p:grpSpPr>
+      <p:sp>
+        <p:nvSpPr>
+          <p:cNvPr id="4" name="Title 3">
+            <a:extLst>
+              <a:ext uri="{FF2B5EF4-FFF2-40B4-BE49-F238E27FC236}">
+                <a16:creationId xmlns:a16="http://schemas.microsoft.com/office/drawing/2014/main" id="{930D9655-B5B2-CD4F-9B8E-642A6D50E8DA}"/>
+              </a:ext>
+            </a:extLst>
+          </p:cNvPr>
+          <p:cNvSpPr>
+            <a:spLocks noGrp="1"/>
+          </p:cNvSpPr>
+          <p:nvPr>
+            <p:ph type="ctrTitle"/>
+          </p:nvPr>
+        </p:nvSpPr>
+        <p:spPr/>
+        <p:txBody>
+          <a:bodyPr/>
+          <a:lstStyle/>
+          <a:p>
+            <a:r>
+              <a:rPr lang="en-US" dirty="0"/>
+              <a:t>Let’s move our tests to the new </a:t>
+            </a:r>
+            <a:r>
+              <a:rPr lang="en-US" dirty="0" err="1"/>
+              <a:t>TaskManager</a:t>
+            </a:r>
+            <a:r>
+              <a:rPr lang="en-US" dirty="0"/>
+              <a:t>!</a:t>
+            </a:r>
+          </a:p>
+        </p:txBody>
+      </p:sp>
+      <p:sp>
+        <p:nvSpPr>
+          <p:cNvPr id="5" name="Subtitle 4">
+            <a:extLst>
+              <a:ext uri="{FF2B5EF4-FFF2-40B4-BE49-F238E27FC236}">
+                <a16:creationId xmlns:a16="http://schemas.microsoft.com/office/drawing/2014/main" id="{43E0CD4E-DBBB-A325-106A-818BBF622926}"/>
+              </a:ext>
+            </a:extLst>
+          </p:cNvPr>
+          <p:cNvSpPr>
+            <a:spLocks noGrp="1"/>
+          </p:cNvSpPr>
+          <p:nvPr>
+            <p:ph type="subTitle" idx="1"/>
+          </p:nvPr>
+        </p:nvSpPr>
+        <p:spPr/>
+        <p:txBody>
+          <a:bodyPr/>
+          <a:lstStyle/>
+          <a:p>
+            <a:endParaRPr lang="en-US"/>
+          </a:p>
+        </p:txBody>
+      </p:sp>
+    </p:spTree>
+    <p:extLst>
+      <p:ext uri="{BB962C8B-B14F-4D97-AF65-F5344CB8AC3E}">
+        <p14:creationId xmlns:p14="http://schemas.microsoft.com/office/powerpoint/2010/main" val="2456630666"/>
+      </p:ext>
+    </p:extLst>
+  </p:cSld>
+  <p:clrMapOvr>
+    <a:masterClrMapping/>
+  </p:clrMapOvr>
+</p:sld>
+</file>
+
+<file path=ppt/slides/slide12.xml><?xml version="1.0" encoding="utf-8"?>
 <p:sld xmlns:a="http://schemas.openxmlformats.org/drawingml/2006/main" xmlns:r="http://schemas.openxmlformats.org/officeDocument/2006/relationships" xmlns:p="http://schemas.openxmlformats.org/presentationml/2006/main">
   <p:cSld>
     <p:bg>
@@ -34148,7 +34342,7 @@
         </p:spPr>
         <p:txBody>
           <a:bodyPr spcFirstLastPara="1" wrap="square" lIns="91425" tIns="91425" rIns="91425" bIns="91425" anchor="t" anchorCtr="0">
-            <a:normAutofit lnSpcReduction="10000"/>
+            <a:normAutofit/>
           </a:bodyPr>
           <a:lstStyle/>
           <a:p>
@@ -34162,10 +34356,10 @@
               <a:buNone/>
             </a:pPr>
             <a:r>
-              <a:rPr lang="en"/>
+              <a:rPr lang="en" sz="1050" dirty="0"/>
               <a:t>            List&lt;TaskItem&gt; tasks = new()</a:t>
             </a:r>
-            <a:endParaRPr/>
+            <a:endParaRPr sz="1050" dirty="0"/>
           </a:p>
           <a:p>
             <a:pPr marL="0" lvl="0" indent="0" algn="l" rtl="0">
@@ -34178,10 +34372,10 @@
               <a:buNone/>
             </a:pPr>
             <a:r>
-              <a:rPr lang="en"/>
+              <a:rPr lang="en" sz="1050" dirty="0"/>
               <a:t>            {</a:t>
             </a:r>
-            <a:endParaRPr/>
+            <a:endParaRPr sz="1050" dirty="0"/>
           </a:p>
           <a:p>
             <a:pPr marL="0" lvl="0" indent="0" algn="l" rtl="0">
@@ -34194,10 +34388,10 @@
               <a:buNone/>
             </a:pPr>
             <a:r>
-              <a:rPr lang="en"/>
+              <a:rPr lang="en" sz="1050" dirty="0"/>
               <a:t>                new TaskItem { Title = "Fix television" },</a:t>
             </a:r>
-            <a:endParaRPr/>
+            <a:endParaRPr sz="1050" dirty="0"/>
           </a:p>
           <a:p>
             <a:pPr marL="0" lvl="0" indent="0" algn="l" rtl="0">
@@ -34210,10 +34404,10 @@
               <a:buNone/>
             </a:pPr>
             <a:r>
-              <a:rPr lang="en"/>
+              <a:rPr lang="en" sz="1050" dirty="0"/>
               <a:t>                new TaskItem { Title = "fix computer" },</a:t>
             </a:r>
-            <a:endParaRPr/>
+            <a:endParaRPr sz="1050" dirty="0"/>
           </a:p>
           <a:p>
             <a:pPr marL="0" lvl="0" indent="0" algn="l" rtl="0">
@@ -34226,10 +34420,10 @@
               <a:buNone/>
             </a:pPr>
             <a:r>
-              <a:rPr lang="en"/>
+              <a:rPr lang="en" sz="1050" dirty="0"/>
               <a:t>                new TaskItem { Title = "Fix fridge", Description = "This is urgent!" },</a:t>
             </a:r>
-            <a:endParaRPr/>
+            <a:endParaRPr sz="1050" dirty="0"/>
           </a:p>
           <a:p>
             <a:pPr marL="0" lvl="0" indent="0" algn="l" rtl="0">
@@ -34242,10 +34436,10 @@
               <a:buNone/>
             </a:pPr>
             <a:r>
-              <a:rPr lang="en"/>
+              <a:rPr lang="en" sz="1050" dirty="0"/>
               <a:t>                new TaskItem { Title = "This is a very long title to demonstrate something. What? I don't know", Description = "[Urgent]" },</a:t>
             </a:r>
-            <a:endParaRPr/>
+            <a:endParaRPr sz="1050" dirty="0"/>
           </a:p>
           <a:p>
             <a:pPr marL="0" lvl="0" indent="0" algn="l" rtl="0">
@@ -34258,10 +34452,10 @@
               <a:buNone/>
             </a:pPr>
             <a:r>
-              <a:rPr lang="en"/>
+              <a:rPr lang="en" sz="1050" dirty="0"/>
               <a:t>                new TaskItem { Title = "Water the plants" },</a:t>
             </a:r>
-            <a:endParaRPr/>
+            <a:endParaRPr sz="1050" dirty="0"/>
           </a:p>
           <a:p>
             <a:pPr marL="0" lvl="0" indent="0" algn="l" rtl="0">
@@ -34274,10 +34468,10 @@
               <a:buNone/>
             </a:pPr>
             <a:r>
-              <a:rPr lang="en"/>
+              <a:rPr lang="en" sz="1050" dirty="0"/>
               <a:t>                new TaskItem { Title = "Take out the trash" },</a:t>
             </a:r>
-            <a:endParaRPr/>
+            <a:endParaRPr sz="1050" dirty="0"/>
           </a:p>
           <a:p>
             <a:pPr marL="0" lvl="0" indent="0" algn="l" rtl="0">
@@ -34295,10 +34489,10 @@
               <a:buNone/>
             </a:pPr>
             <a:r>
-              <a:rPr lang="en"/>
+              <a:rPr lang="en" sz="1050" dirty="0"/>
               <a:t>            };</a:t>
             </a:r>
-            <a:endParaRPr/>
+            <a:endParaRPr sz="1050" dirty="0"/>
           </a:p>
           <a:p>
             <a:pPr marL="0" lvl="0" indent="0" algn="l" rtl="0">
@@ -34310,7 +34504,7 @@
               </a:spcAft>
               <a:buNone/>
             </a:pPr>
-            <a:endParaRPr/>
+            <a:endParaRPr dirty="0"/>
           </a:p>
         </p:txBody>
       </p:sp>
@@ -36508,6 +36702,265 @@
   <p:clrMapOvr>
     <a:masterClrMapping/>
   </p:clrMapOvr>
+  <p:timing>
+    <p:tnLst>
+      <p:par>
+        <p:cTn id="1" dur="indefinite" restart="never" nodeType="tmRoot">
+          <p:childTnLst>
+            <p:seq concurrent="1" nextAc="seek">
+              <p:cTn id="2" dur="indefinite" nodeType="mainSeq">
+                <p:childTnLst>
+                  <p:par>
+                    <p:cTn id="3" fill="hold">
+                      <p:stCondLst>
+                        <p:cond delay="indefinite"/>
+                      </p:stCondLst>
+                      <p:childTnLst>
+                        <p:par>
+                          <p:cTn id="4" fill="hold">
+                            <p:stCondLst>
+                              <p:cond delay="0"/>
+                            </p:stCondLst>
+                            <p:childTnLst>
+                              <p:par>
+                                <p:cTn id="5" presetID="1" presetClass="entr" presetSubtype="0" fill="hold" grpId="0" nodeType="clickEffect">
+                                  <p:stCondLst>
+                                    <p:cond delay="0"/>
+                                  </p:stCondLst>
+                                  <p:childTnLst>
+                                    <p:set>
+                                      <p:cBhvr>
+                                        <p:cTn id="6" dur="1" fill="hold">
+                                          <p:stCondLst>
+                                            <p:cond delay="0"/>
+                                          </p:stCondLst>
+                                        </p:cTn>
+                                        <p:tgtEl>
+                                          <p:spTgt spid="93">
+                                            <p:graphicEl>
+                                              <a:dgm id="{A6149409-03BA-4FA2-8EE0-3B8E38B41193}"/>
+                                            </p:graphicEl>
+                                          </p:spTgt>
+                                        </p:tgtEl>
+                                        <p:attrNameLst>
+                                          <p:attrName>style.visibility</p:attrName>
+                                        </p:attrNameLst>
+                                      </p:cBhvr>
+                                      <p:to>
+                                        <p:strVal val="visible"/>
+                                      </p:to>
+                                    </p:set>
+                                  </p:childTnLst>
+                                </p:cTn>
+                              </p:par>
+                              <p:par>
+                                <p:cTn id="7" presetID="1" presetClass="entr" presetSubtype="0" fill="hold" grpId="0" nodeType="withEffect">
+                                  <p:stCondLst>
+                                    <p:cond delay="0"/>
+                                  </p:stCondLst>
+                                  <p:childTnLst>
+                                    <p:set>
+                                      <p:cBhvr>
+                                        <p:cTn id="8" dur="1" fill="hold">
+                                          <p:stCondLst>
+                                            <p:cond delay="0"/>
+                                          </p:stCondLst>
+                                        </p:cTn>
+                                        <p:tgtEl>
+                                          <p:spTgt spid="93">
+                                            <p:graphicEl>
+                                              <a:dgm id="{4174C49C-F5F0-48D5-B518-951A273E520D}"/>
+                                            </p:graphicEl>
+                                          </p:spTgt>
+                                        </p:tgtEl>
+                                        <p:attrNameLst>
+                                          <p:attrName>style.visibility</p:attrName>
+                                        </p:attrNameLst>
+                                      </p:cBhvr>
+                                      <p:to>
+                                        <p:strVal val="visible"/>
+                                      </p:to>
+                                    </p:set>
+                                  </p:childTnLst>
+                                </p:cTn>
+                              </p:par>
+                              <p:par>
+                                <p:cTn id="9" presetID="1" presetClass="entr" presetSubtype="0" fill="hold" grpId="0" nodeType="withEffect">
+                                  <p:stCondLst>
+                                    <p:cond delay="0"/>
+                                  </p:stCondLst>
+                                  <p:childTnLst>
+                                    <p:set>
+                                      <p:cBhvr>
+                                        <p:cTn id="10" dur="1" fill="hold">
+                                          <p:stCondLst>
+                                            <p:cond delay="0"/>
+                                          </p:stCondLst>
+                                        </p:cTn>
+                                        <p:tgtEl>
+                                          <p:spTgt spid="93">
+                                            <p:graphicEl>
+                                              <a:dgm id="{6E63B76E-AA85-4C71-94F1-D6FA03B07292}"/>
+                                            </p:graphicEl>
+                                          </p:spTgt>
+                                        </p:tgtEl>
+                                        <p:attrNameLst>
+                                          <p:attrName>style.visibility</p:attrName>
+                                        </p:attrNameLst>
+                                      </p:cBhvr>
+                                      <p:to>
+                                        <p:strVal val="visible"/>
+                                      </p:to>
+                                    </p:set>
+                                  </p:childTnLst>
+                                </p:cTn>
+                              </p:par>
+                            </p:childTnLst>
+                          </p:cTn>
+                        </p:par>
+                      </p:childTnLst>
+                    </p:cTn>
+                  </p:par>
+                  <p:par>
+                    <p:cTn id="11" fill="hold">
+                      <p:stCondLst>
+                        <p:cond delay="indefinite"/>
+                      </p:stCondLst>
+                      <p:childTnLst>
+                        <p:par>
+                          <p:cTn id="12" fill="hold">
+                            <p:stCondLst>
+                              <p:cond delay="0"/>
+                            </p:stCondLst>
+                            <p:childTnLst>
+                              <p:par>
+                                <p:cTn id="13" presetID="1" presetClass="entr" presetSubtype="0" fill="hold" grpId="0" nodeType="clickEffect">
+                                  <p:stCondLst>
+                                    <p:cond delay="0"/>
+                                  </p:stCondLst>
+                                  <p:childTnLst>
+                                    <p:set>
+                                      <p:cBhvr>
+                                        <p:cTn id="14" dur="1" fill="hold">
+                                          <p:stCondLst>
+                                            <p:cond delay="0"/>
+                                          </p:stCondLst>
+                                        </p:cTn>
+                                        <p:tgtEl>
+                                          <p:spTgt spid="93">
+                                            <p:graphicEl>
+                                              <a:dgm id="{D48FCE08-2D0D-4DE7-A538-767F2B91888E}"/>
+                                            </p:graphicEl>
+                                          </p:spTgt>
+                                        </p:tgtEl>
+                                        <p:attrNameLst>
+                                          <p:attrName>style.visibility</p:attrName>
+                                        </p:attrNameLst>
+                                      </p:cBhvr>
+                                      <p:to>
+                                        <p:strVal val="visible"/>
+                                      </p:to>
+                                    </p:set>
+                                  </p:childTnLst>
+                                </p:cTn>
+                              </p:par>
+                              <p:par>
+                                <p:cTn id="15" presetID="1" presetClass="entr" presetSubtype="0" fill="hold" grpId="0" nodeType="withEffect">
+                                  <p:stCondLst>
+                                    <p:cond delay="0"/>
+                                  </p:stCondLst>
+                                  <p:childTnLst>
+                                    <p:set>
+                                      <p:cBhvr>
+                                        <p:cTn id="16" dur="1" fill="hold">
+                                          <p:stCondLst>
+                                            <p:cond delay="0"/>
+                                          </p:stCondLst>
+                                        </p:cTn>
+                                        <p:tgtEl>
+                                          <p:spTgt spid="93">
+                                            <p:graphicEl>
+                                              <a:dgm id="{D3E7E51B-9F34-4814-AF14-9626E38BE388}"/>
+                                            </p:graphicEl>
+                                          </p:spTgt>
+                                        </p:tgtEl>
+                                        <p:attrNameLst>
+                                          <p:attrName>style.visibility</p:attrName>
+                                        </p:attrNameLst>
+                                      </p:cBhvr>
+                                      <p:to>
+                                        <p:strVal val="visible"/>
+                                      </p:to>
+                                    </p:set>
+                                  </p:childTnLst>
+                                </p:cTn>
+                              </p:par>
+                              <p:par>
+                                <p:cTn id="17" presetID="1" presetClass="entr" presetSubtype="0" fill="hold" grpId="0" nodeType="withEffect">
+                                  <p:stCondLst>
+                                    <p:cond delay="0"/>
+                                  </p:stCondLst>
+                                  <p:childTnLst>
+                                    <p:set>
+                                      <p:cBhvr>
+                                        <p:cTn id="18" dur="1" fill="hold">
+                                          <p:stCondLst>
+                                            <p:cond delay="0"/>
+                                          </p:stCondLst>
+                                        </p:cTn>
+                                        <p:tgtEl>
+                                          <p:spTgt spid="93">
+                                            <p:graphicEl>
+                                              <a:dgm id="{584595E2-EA6D-4186-8DF7-9457580E6363}"/>
+                                            </p:graphicEl>
+                                          </p:spTgt>
+                                        </p:tgtEl>
+                                        <p:attrNameLst>
+                                          <p:attrName>style.visibility</p:attrName>
+                                        </p:attrNameLst>
+                                      </p:cBhvr>
+                                      <p:to>
+                                        <p:strVal val="visible"/>
+                                      </p:to>
+                                    </p:set>
+                                  </p:childTnLst>
+                                </p:cTn>
+                              </p:par>
+                            </p:childTnLst>
+                          </p:cTn>
+                        </p:par>
+                      </p:childTnLst>
+                    </p:cTn>
+                  </p:par>
+                </p:childTnLst>
+              </p:cTn>
+              <p:prevCondLst>
+                <p:cond evt="onPrev" delay="0">
+                  <p:tgtEl>
+                    <p:sldTgt/>
+                  </p:tgtEl>
+                </p:cond>
+              </p:prevCondLst>
+              <p:nextCondLst>
+                <p:cond evt="onNext" delay="0">
+                  <p:tgtEl>
+                    <p:sldTgt/>
+                  </p:tgtEl>
+                </p:cond>
+              </p:nextCondLst>
+            </p:seq>
+          </p:childTnLst>
+        </p:cTn>
+      </p:par>
+    </p:tnLst>
+    <p:bldLst>
+      <p:bldGraphic spid="93" grpId="0">
+        <p:bldSub>
+          <a:bldDgm bld="one"/>
+        </p:bldSub>
+      </p:bldGraphic>
+    </p:bldLst>
+  </p:timing>
 </p:sld>
 </file>
 
@@ -37532,7 +37985,7 @@
           <p:nvPr>
             <p:extLst>
               <p:ext uri="{D42A27DB-BD31-4B8C-83A1-F6EECF244321}">
-                <p14:modId xmlns:p14="http://schemas.microsoft.com/office/powerpoint/2010/main" val="716130970"/>
+                <p14:modId xmlns:p14="http://schemas.microsoft.com/office/powerpoint/2010/main" val="2137457569"/>
               </p:ext>
             </p:extLst>
           </p:nvPr>
@@ -37552,6 +38005,283 @@
   <p:clrMapOvr>
     <a:masterClrMapping/>
   </p:clrMapOvr>
+  <p:timing>
+    <p:tnLst>
+      <p:par>
+        <p:cTn id="1" dur="indefinite" restart="never" nodeType="tmRoot">
+          <p:childTnLst>
+            <p:seq concurrent="1" nextAc="seek">
+              <p:cTn id="2" dur="indefinite" nodeType="mainSeq">
+                <p:childTnLst>
+                  <p:par>
+                    <p:cTn id="3" fill="hold">
+                      <p:stCondLst>
+                        <p:cond delay="indefinite"/>
+                      </p:stCondLst>
+                      <p:childTnLst>
+                        <p:par>
+                          <p:cTn id="4" fill="hold">
+                            <p:stCondLst>
+                              <p:cond delay="0"/>
+                            </p:stCondLst>
+                            <p:childTnLst>
+                              <p:par>
+                                <p:cTn id="5" presetID="1" presetClass="entr" presetSubtype="0" fill="hold" grpId="0" nodeType="clickEffect">
+                                  <p:stCondLst>
+                                    <p:cond delay="0"/>
+                                  </p:stCondLst>
+                                  <p:childTnLst>
+                                    <p:set>
+                                      <p:cBhvr>
+                                        <p:cTn id="6" dur="1" fill="hold">
+                                          <p:stCondLst>
+                                            <p:cond delay="0"/>
+                                          </p:stCondLst>
+                                        </p:cTn>
+                                        <p:tgtEl>
+                                          <p:spTgt spid="99">
+                                            <p:graphicEl>
+                                              <a:dgm id="{52872B39-44CE-45EA-B85E-1FB62A8FC4D7}"/>
+                                            </p:graphicEl>
+                                          </p:spTgt>
+                                        </p:tgtEl>
+                                        <p:attrNameLst>
+                                          <p:attrName>style.visibility</p:attrName>
+                                        </p:attrNameLst>
+                                      </p:cBhvr>
+                                      <p:to>
+                                        <p:strVal val="visible"/>
+                                      </p:to>
+                                    </p:set>
+                                  </p:childTnLst>
+                                </p:cTn>
+                              </p:par>
+                              <p:par>
+                                <p:cTn id="7" presetID="1" presetClass="entr" presetSubtype="0" fill="hold" grpId="0" nodeType="withEffect">
+                                  <p:stCondLst>
+                                    <p:cond delay="0"/>
+                                  </p:stCondLst>
+                                  <p:childTnLst>
+                                    <p:set>
+                                      <p:cBhvr>
+                                        <p:cTn id="8" dur="1" fill="hold">
+                                          <p:stCondLst>
+                                            <p:cond delay="0"/>
+                                          </p:stCondLst>
+                                        </p:cTn>
+                                        <p:tgtEl>
+                                          <p:spTgt spid="99">
+                                            <p:graphicEl>
+                                              <a:dgm id="{88F6EF4A-D41A-46FD-A04B-14A61116E5B4}"/>
+                                            </p:graphicEl>
+                                          </p:spTgt>
+                                        </p:tgtEl>
+                                        <p:attrNameLst>
+                                          <p:attrName>style.visibility</p:attrName>
+                                        </p:attrNameLst>
+                                      </p:cBhvr>
+                                      <p:to>
+                                        <p:strVal val="visible"/>
+                                      </p:to>
+                                    </p:set>
+                                  </p:childTnLst>
+                                </p:cTn>
+                              </p:par>
+                            </p:childTnLst>
+                          </p:cTn>
+                        </p:par>
+                      </p:childTnLst>
+                    </p:cTn>
+                  </p:par>
+                  <p:par>
+                    <p:cTn id="9" fill="hold">
+                      <p:stCondLst>
+                        <p:cond delay="indefinite"/>
+                      </p:stCondLst>
+                      <p:childTnLst>
+                        <p:par>
+                          <p:cTn id="10" fill="hold">
+                            <p:stCondLst>
+                              <p:cond delay="0"/>
+                            </p:stCondLst>
+                            <p:childTnLst>
+                              <p:par>
+                                <p:cTn id="11" presetID="1" presetClass="entr" presetSubtype="0" fill="hold" grpId="0" nodeType="clickEffect">
+                                  <p:stCondLst>
+                                    <p:cond delay="0"/>
+                                  </p:stCondLst>
+                                  <p:childTnLst>
+                                    <p:set>
+                                      <p:cBhvr>
+                                        <p:cTn id="12" dur="1" fill="hold">
+                                          <p:stCondLst>
+                                            <p:cond delay="0"/>
+                                          </p:stCondLst>
+                                        </p:cTn>
+                                        <p:tgtEl>
+                                          <p:spTgt spid="99">
+                                            <p:graphicEl>
+                                              <a:dgm id="{216228B3-AD34-4035-98F9-104116D7AADD}"/>
+                                            </p:graphicEl>
+                                          </p:spTgt>
+                                        </p:tgtEl>
+                                        <p:attrNameLst>
+                                          <p:attrName>style.visibility</p:attrName>
+                                        </p:attrNameLst>
+                                      </p:cBhvr>
+                                      <p:to>
+                                        <p:strVal val="visible"/>
+                                      </p:to>
+                                    </p:set>
+                                  </p:childTnLst>
+                                </p:cTn>
+                              </p:par>
+                              <p:par>
+                                <p:cTn id="13" presetID="1" presetClass="entr" presetSubtype="0" fill="hold" grpId="0" nodeType="withEffect">
+                                  <p:stCondLst>
+                                    <p:cond delay="0"/>
+                                  </p:stCondLst>
+                                  <p:childTnLst>
+                                    <p:set>
+                                      <p:cBhvr>
+                                        <p:cTn id="14" dur="1" fill="hold">
+                                          <p:stCondLst>
+                                            <p:cond delay="0"/>
+                                          </p:stCondLst>
+                                        </p:cTn>
+                                        <p:tgtEl>
+                                          <p:spTgt spid="99">
+                                            <p:graphicEl>
+                                              <a:dgm id="{814AEEB4-0010-437A-9229-128FD2BE36D3}"/>
+                                            </p:graphicEl>
+                                          </p:spTgt>
+                                        </p:tgtEl>
+                                        <p:attrNameLst>
+                                          <p:attrName>style.visibility</p:attrName>
+                                        </p:attrNameLst>
+                                      </p:cBhvr>
+                                      <p:to>
+                                        <p:strVal val="visible"/>
+                                      </p:to>
+                                    </p:set>
+                                  </p:childTnLst>
+                                </p:cTn>
+                              </p:par>
+                            </p:childTnLst>
+                          </p:cTn>
+                        </p:par>
+                      </p:childTnLst>
+                    </p:cTn>
+                  </p:par>
+                  <p:par>
+                    <p:cTn id="15" fill="hold">
+                      <p:stCondLst>
+                        <p:cond delay="indefinite"/>
+                      </p:stCondLst>
+                      <p:childTnLst>
+                        <p:par>
+                          <p:cTn id="16" fill="hold">
+                            <p:stCondLst>
+                              <p:cond delay="0"/>
+                            </p:stCondLst>
+                            <p:childTnLst>
+                              <p:par>
+                                <p:cTn id="17" presetID="1" presetClass="entr" presetSubtype="0" fill="hold" grpId="0" nodeType="clickEffect">
+                                  <p:stCondLst>
+                                    <p:cond delay="0"/>
+                                  </p:stCondLst>
+                                  <p:childTnLst>
+                                    <p:set>
+                                      <p:cBhvr>
+                                        <p:cTn id="18" dur="1" fill="hold">
+                                          <p:stCondLst>
+                                            <p:cond delay="0"/>
+                                          </p:stCondLst>
+                                        </p:cTn>
+                                        <p:tgtEl>
+                                          <p:spTgt spid="99">
+                                            <p:graphicEl>
+                                              <a:dgm id="{90F74587-4ADC-46FF-9940-24E29330502C}"/>
+                                            </p:graphicEl>
+                                          </p:spTgt>
+                                        </p:tgtEl>
+                                        <p:attrNameLst>
+                                          <p:attrName>style.visibility</p:attrName>
+                                        </p:attrNameLst>
+                                      </p:cBhvr>
+                                      <p:to>
+                                        <p:strVal val="visible"/>
+                                      </p:to>
+                                    </p:set>
+                                  </p:childTnLst>
+                                </p:cTn>
+                              </p:par>
+                              <p:par>
+                                <p:cTn id="19" presetID="1" presetClass="entr" presetSubtype="0" fill="hold" grpId="0" nodeType="withEffect">
+                                  <p:stCondLst>
+                                    <p:cond delay="0"/>
+                                  </p:stCondLst>
+                                  <p:childTnLst>
+                                    <p:set>
+                                      <p:cBhvr>
+                                        <p:cTn id="20" dur="1" fill="hold">
+                                          <p:stCondLst>
+                                            <p:cond delay="0"/>
+                                          </p:stCondLst>
+                                        </p:cTn>
+                                        <p:tgtEl>
+                                          <p:spTgt spid="99">
+                                            <p:graphicEl>
+                                              <a:dgm id="{9505334F-A57F-49E8-9BBF-AF54F0B4DB73}"/>
+                                            </p:graphicEl>
+                                          </p:spTgt>
+                                        </p:tgtEl>
+                                        <p:attrNameLst>
+                                          <p:attrName>style.visibility</p:attrName>
+                                        </p:attrNameLst>
+                                      </p:cBhvr>
+                                      <p:to>
+                                        <p:strVal val="visible"/>
+                                      </p:to>
+                                    </p:set>
+                                  </p:childTnLst>
+                                </p:cTn>
+                              </p:par>
+                            </p:childTnLst>
+                          </p:cTn>
+                        </p:par>
+                      </p:childTnLst>
+                    </p:cTn>
+                  </p:par>
+                </p:childTnLst>
+              </p:cTn>
+              <p:prevCondLst>
+                <p:cond evt="onPrev" delay="0">
+                  <p:tgtEl>
+                    <p:sldTgt/>
+                  </p:tgtEl>
+                </p:cond>
+              </p:prevCondLst>
+              <p:nextCondLst>
+                <p:cond evt="onNext" delay="0">
+                  <p:tgtEl>
+                    <p:sldTgt/>
+                  </p:tgtEl>
+                </p:cond>
+              </p:nextCondLst>
+            </p:seq>
+          </p:childTnLst>
+        </p:cTn>
+      </p:par>
+    </p:tnLst>
+    <p:bldLst>
+      <p:bldGraphic spid="99" grpId="0">
+        <p:bldSub>
+          <a:bldDgm bld="lvlOne"/>
+        </p:bldSub>
+      </p:bldGraphic>
+    </p:bldLst>
+  </p:timing>
 </p:sld>
 </file>
 

--- a/Slides/3. Day 2 - OOP, Unit Tests, Collections.pptx
+++ b/Slides/3. Day 2 - OOP, Unit Tests, Collections.pptx
@@ -21439,6 +21439,33 @@
             </a:pPr>
             <a:r>
               <a:rPr lang="en-US" dirty="0"/>
+              <a:t>What do we mock? The closest to the real thing, don’t mock unnecessary things</a:t>
+            </a:r>
+          </a:p>
+          <a:p>
+            <a:pPr marL="0" lvl="0" indent="0" algn="l" rtl="0">
+              <a:spcBef>
+                <a:spcPts val="0"/>
+              </a:spcBef>
+              <a:spcAft>
+                <a:spcPts val="0"/>
+              </a:spcAft>
+              <a:buNone/>
+            </a:pPr>
+            <a:endParaRPr lang="en-US" dirty="0"/>
+          </a:p>
+          <a:p>
+            <a:pPr marL="0" lvl="0" indent="0" algn="l" rtl="0">
+              <a:spcBef>
+                <a:spcPts val="0"/>
+              </a:spcBef>
+              <a:spcAft>
+                <a:spcPts val="0"/>
+              </a:spcAft>
+              <a:buNone/>
+            </a:pPr>
+            <a:r>
+              <a:rPr lang="en-US" dirty="0"/>
               <a:t>Install </a:t>
             </a:r>
             <a:r>
@@ -23200,7 +23227,7 @@
             <a:fld id="{B61BEF0D-F0BB-DE4B-95CE-6DB70DBA9567}" type="datetimeFigureOut">
               <a:rPr lang="en-US" dirty="0"/>
               <a:pPr/>
-              <a:t>6/7/2025</a:t>
+              <a:t>6/8/2025</a:t>
             </a:fld>
             <a:endParaRPr lang="en-US" dirty="0"/>
           </a:p>
@@ -23462,7 +23489,7 @@
             <a:fld id="{B61BEF0D-F0BB-DE4B-95CE-6DB70DBA9567}" type="datetimeFigureOut">
               <a:rPr lang="en-US" dirty="0"/>
               <a:pPr/>
-              <a:t>6/7/2025</a:t>
+              <a:t>6/8/2025</a:t>
             </a:fld>
             <a:endParaRPr lang="en-US" dirty="0"/>
           </a:p>
@@ -23787,7 +23814,7 @@
             <a:fld id="{B61BEF0D-F0BB-DE4B-95CE-6DB70DBA9567}" type="datetimeFigureOut">
               <a:rPr lang="en-US" dirty="0"/>
               <a:pPr/>
-              <a:t>6/7/2025</a:t>
+              <a:t>6/8/2025</a:t>
             </a:fld>
             <a:endParaRPr lang="en-US" dirty="0"/>
           </a:p>
@@ -24139,7 +24166,7 @@
             <a:fld id="{B61BEF0D-F0BB-DE4B-95CE-6DB70DBA9567}" type="datetimeFigureOut">
               <a:rPr lang="en-US" dirty="0"/>
               <a:pPr/>
-              <a:t>6/7/2025</a:t>
+              <a:t>6/8/2025</a:t>
             </a:fld>
             <a:endParaRPr lang="en-US" dirty="0"/>
           </a:p>
@@ -24464,7 +24491,7 @@
             <a:fld id="{B61BEF0D-F0BB-DE4B-95CE-6DB70DBA9567}" type="datetimeFigureOut">
               <a:rPr lang="en-US" dirty="0"/>
               <a:pPr/>
-              <a:t>6/7/2025</a:t>
+              <a:t>6/8/2025</a:t>
             </a:fld>
             <a:endParaRPr lang="en-US" dirty="0"/>
           </a:p>
@@ -24868,7 +24895,7 @@
             <a:fld id="{B61BEF0D-F0BB-DE4B-95CE-6DB70DBA9567}" type="datetimeFigureOut">
               <a:rPr lang="en-US" dirty="0"/>
               <a:pPr/>
-              <a:t>6/7/2025</a:t>
+              <a:t>6/8/2025</a:t>
             </a:fld>
             <a:endParaRPr lang="en-US" dirty="0"/>
           </a:p>
@@ -25048,7 +25075,7 @@
           <a:p>
             <a:fld id="{55C6B4A9-1611-4792-9094-5F34BCA07E0B}" type="datetimeFigureOut">
               <a:rPr lang="en-US" dirty="0"/>
-              <a:t>6/7/2025</a:t>
+              <a:t>6/8/2025</a:t>
             </a:fld>
             <a:endParaRPr lang="en-US" dirty="0"/>
           </a:p>
@@ -25239,7 +25266,7 @@
             <a:fld id="{B61BEF0D-F0BB-DE4B-95CE-6DB70DBA9567}" type="datetimeFigureOut">
               <a:rPr lang="en-US" dirty="0"/>
               <a:pPr/>
-              <a:t>6/7/2025</a:t>
+              <a:t>6/8/2025</a:t>
             </a:fld>
             <a:endParaRPr lang="en-US" dirty="0"/>
           </a:p>
@@ -26031,7 +26058,7 @@
             <a:fld id="{B61BEF0D-F0BB-DE4B-95CE-6DB70DBA9567}" type="datetimeFigureOut">
               <a:rPr lang="en-US" dirty="0"/>
               <a:pPr/>
-              <a:t>6/7/2025</a:t>
+              <a:t>6/8/2025</a:t>
             </a:fld>
             <a:endParaRPr lang="en-US" dirty="0"/>
           </a:p>
@@ -26289,7 +26316,7 @@
             <a:fld id="{B61BEF0D-F0BB-DE4B-95CE-6DB70DBA9567}" type="datetimeFigureOut">
               <a:rPr lang="en-US" dirty="0"/>
               <a:pPr/>
-              <a:t>6/7/2025</a:t>
+              <a:t>6/8/2025</a:t>
             </a:fld>
             <a:endParaRPr lang="en-US" dirty="0"/>
           </a:p>
@@ -26531,7 +26558,7 @@
           <a:p>
             <a:fld id="{EB712588-04B1-427B-82EE-E8DB90309F08}" type="datetimeFigureOut">
               <a:rPr lang="en-US" dirty="0"/>
-              <a:t>6/7/2025</a:t>
+              <a:t>6/8/2025</a:t>
             </a:fld>
             <a:endParaRPr lang="en-US" dirty="0"/>
           </a:p>
@@ -26916,7 +26943,7 @@
             <a:fld id="{B61BEF0D-F0BB-DE4B-95CE-6DB70DBA9567}" type="datetimeFigureOut">
               <a:rPr lang="en-US" dirty="0"/>
               <a:pPr/>
-              <a:t>6/7/2025</a:t>
+              <a:t>6/8/2025</a:t>
             </a:fld>
             <a:endParaRPr lang="en-US" dirty="0"/>
           </a:p>
@@ -27050,7 +27077,7 @@
             <a:fld id="{B61BEF0D-F0BB-DE4B-95CE-6DB70DBA9567}" type="datetimeFigureOut">
               <a:rPr lang="en-US" dirty="0"/>
               <a:pPr/>
-              <a:t>6/7/2025</a:t>
+              <a:t>6/8/2025</a:t>
             </a:fld>
             <a:endParaRPr lang="en-US" dirty="0"/>
           </a:p>
@@ -27156,7 +27183,7 @@
             <a:fld id="{B61BEF0D-F0BB-DE4B-95CE-6DB70DBA9567}" type="datetimeFigureOut">
               <a:rPr lang="en-US" dirty="0"/>
               <a:pPr/>
-              <a:t>6/7/2025</a:t>
+              <a:t>6/8/2025</a:t>
             </a:fld>
             <a:endParaRPr lang="en-US" dirty="0"/>
           </a:p>
@@ -27420,7 +27447,7 @@
           <a:p>
             <a:fld id="{42A54C80-263E-416B-A8E0-580EDEADCBDC}" type="datetimeFigureOut">
               <a:rPr lang="en-US" dirty="0"/>
-              <a:t>6/7/2025</a:t>
+              <a:t>6/8/2025</a:t>
             </a:fld>
             <a:endParaRPr lang="en-US" dirty="0"/>
           </a:p>
@@ -27694,7 +27721,7 @@
             <a:fld id="{B61BEF0D-F0BB-DE4B-95CE-6DB70DBA9567}" type="datetimeFigureOut">
               <a:rPr lang="en-US" dirty="0"/>
               <a:pPr/>
-              <a:t>6/7/2025</a:t>
+              <a:t>6/8/2025</a:t>
             </a:fld>
             <a:endParaRPr lang="en-US" dirty="0"/>
           </a:p>
@@ -28448,7 +28475,7 @@
             <a:fld id="{B61BEF0D-F0BB-DE4B-95CE-6DB70DBA9567}" type="datetimeFigureOut">
               <a:rPr lang="en-US" dirty="0"/>
               <a:pPr/>
-              <a:t>6/7/2025</a:t>
+              <a:t>6/8/2025</a:t>
             </a:fld>
             <a:endParaRPr lang="en-US" dirty="0"/>
           </a:p>
